--- a/Dynamic International Leadership.pptx
+++ b/Dynamic International Leadership.pptx
@@ -5,7 +5,7 @@
     <p:sldMasterId id="2147483792" r:id="rId1"/>
   </p:sldMasterIdLst>
   <p:notesMasterIdLst>
-    <p:notesMasterId r:id="rId26"/>
+    <p:notesMasterId r:id="rId27"/>
   </p:notesMasterIdLst>
   <p:sldIdLst>
     <p:sldId id="256" r:id="rId2"/>
@@ -17,21 +17,22 @@
     <p:sldId id="261" r:id="rId8"/>
     <p:sldId id="262" r:id="rId9"/>
     <p:sldId id="263" r:id="rId10"/>
-    <p:sldId id="264" r:id="rId11"/>
-    <p:sldId id="267" r:id="rId12"/>
-    <p:sldId id="268" r:id="rId13"/>
-    <p:sldId id="270" r:id="rId14"/>
-    <p:sldId id="269" r:id="rId15"/>
-    <p:sldId id="275" r:id="rId16"/>
-    <p:sldId id="272" r:id="rId17"/>
-    <p:sldId id="277" r:id="rId18"/>
-    <p:sldId id="266" r:id="rId19"/>
-    <p:sldId id="278" r:id="rId20"/>
-    <p:sldId id="282" r:id="rId21"/>
-    <p:sldId id="281" r:id="rId22"/>
-    <p:sldId id="265" r:id="rId23"/>
-    <p:sldId id="283" r:id="rId24"/>
-    <p:sldId id="284" r:id="rId25"/>
+    <p:sldId id="288" r:id="rId11"/>
+    <p:sldId id="264" r:id="rId12"/>
+    <p:sldId id="267" r:id="rId13"/>
+    <p:sldId id="268" r:id="rId14"/>
+    <p:sldId id="270" r:id="rId15"/>
+    <p:sldId id="269" r:id="rId16"/>
+    <p:sldId id="275" r:id="rId17"/>
+    <p:sldId id="272" r:id="rId18"/>
+    <p:sldId id="277" r:id="rId19"/>
+    <p:sldId id="266" r:id="rId20"/>
+    <p:sldId id="278" r:id="rId21"/>
+    <p:sldId id="282" r:id="rId22"/>
+    <p:sldId id="281" r:id="rId23"/>
+    <p:sldId id="265" r:id="rId24"/>
+    <p:sldId id="283" r:id="rId25"/>
+    <p:sldId id="284" r:id="rId26"/>
   </p:sldIdLst>
   <p:sldSz cx="12192000" cy="6858000"/>
   <p:notesSz cx="6858000" cy="9144000"/>
@@ -6314,7 +6315,7 @@
           <a:p>
             <a:fld id="{1919CDC6-0EB1-4D7D-BA47-90427F1CF830}" type="slidenum">
               <a:rPr lang="en-US" smtClean="0"/>
-              <a:t>12</a:t>
+              <a:t>13</a:t>
             </a:fld>
             <a:endParaRPr lang="en-US"/>
           </a:p>
@@ -6398,7 +6399,7 @@
           <a:p>
             <a:fld id="{1919CDC6-0EB1-4D7D-BA47-90427F1CF830}" type="slidenum">
               <a:rPr lang="en-US" smtClean="0"/>
-              <a:t>19</a:t>
+              <a:t>20</a:t>
             </a:fld>
             <a:endParaRPr lang="en-US"/>
           </a:p>
@@ -9886,7 +9887,7 @@
             <a:pPr algn="ctr"/>
             <a:r>
               <a:rPr lang="en-US" b="1" dirty="0"/>
-              <a:t>Snigdha Kotta, ECE</a:t>
+              <a:t>Snigdha Kotta</a:t>
             </a:r>
           </a:p>
           <a:p>
@@ -9973,6 +9974,14 @@
 <file path=ppt/slides/slide10.xml><?xml version="1.0" encoding="utf-8"?>
 <p:sld xmlns:a="http://schemas.openxmlformats.org/drawingml/2006/main" xmlns:r="http://schemas.openxmlformats.org/officeDocument/2006/relationships" xmlns:p="http://schemas.openxmlformats.org/presentationml/2006/main">
   <p:cSld>
+    <p:bg>
+      <p:bgPr>
+        <a:solidFill>
+          <a:schemeClr val="bg1"/>
+        </a:solidFill>
+        <a:effectLst/>
+      </p:bgPr>
+    </p:bg>
     <p:spTree>
       <p:nvGrpSpPr>
         <p:cNvPr id="1" name=""/>
@@ -9987,40 +9996,222 @@
           <a:chExt cx="0" cy="0"/>
         </a:xfrm>
       </p:grpSpPr>
+      <p:sp>
+        <p:nvSpPr>
+          <p:cNvPr id="3" name="Content Placeholder 2">
+            <a:extLst>
+              <a:ext uri="{FF2B5EF4-FFF2-40B4-BE49-F238E27FC236}">
+                <a16:creationId xmlns:a16="http://schemas.microsoft.com/office/drawing/2014/main" id="{B46F21CC-EE9D-40B2-9A50-363B1193CDFC}"/>
+              </a:ext>
+            </a:extLst>
+          </p:cNvPr>
+          <p:cNvSpPr>
+            <a:spLocks noGrp="1"/>
+          </p:cNvSpPr>
+          <p:nvPr>
+            <p:ph idx="1"/>
+          </p:nvPr>
+        </p:nvSpPr>
+        <p:spPr>
+          <a:xfrm>
+            <a:off x="4866962" y="1765984"/>
+            <a:ext cx="5875678" cy="4351337"/>
+          </a:xfrm>
+        </p:spPr>
+        <p:txBody>
+          <a:bodyPr>
+            <a:normAutofit/>
+          </a:bodyPr>
+          <a:lstStyle/>
+          <a:p>
+            <a:r>
+              <a:rPr lang="en-US" sz="3600" dirty="0"/>
+              <a:t>Global Warming</a:t>
+            </a:r>
+          </a:p>
+          <a:p>
+            <a:r>
+              <a:rPr lang="en-US" sz="3600" dirty="0"/>
+              <a:t>Peace</a:t>
+            </a:r>
+          </a:p>
+          <a:p>
+            <a:r>
+              <a:rPr lang="en-US" sz="3600" dirty="0"/>
+              <a:t>Human Trafficking</a:t>
+            </a:r>
+          </a:p>
+          <a:p>
+            <a:r>
+              <a:rPr lang="en-US" sz="3600" dirty="0"/>
+              <a:t>Hunger</a:t>
+            </a:r>
+          </a:p>
+          <a:p>
+            <a:r>
+              <a:rPr lang="en-US" sz="3600" dirty="0"/>
+              <a:t>Homelessness</a:t>
+            </a:r>
+          </a:p>
+          <a:p>
+            <a:endParaRPr lang="en-US" sz="3600" dirty="0"/>
+          </a:p>
+        </p:txBody>
+      </p:sp>
+      <p:sp>
+        <p:nvSpPr>
+          <p:cNvPr id="6" name="Title 1">
+            <a:extLst>
+              <a:ext uri="{FF2B5EF4-FFF2-40B4-BE49-F238E27FC236}">
+                <a16:creationId xmlns:a16="http://schemas.microsoft.com/office/drawing/2014/main" id="{353A0FBE-1C13-4271-8FAC-9F186A8BE889}"/>
+              </a:ext>
+            </a:extLst>
+          </p:cNvPr>
+          <p:cNvSpPr txBox="1">
+            <a:spLocks/>
+          </p:cNvSpPr>
+          <p:nvPr/>
+        </p:nvSpPr>
+        <p:spPr>
+          <a:xfrm>
+            <a:off x="385895" y="440422"/>
+            <a:ext cx="9692640" cy="1325562"/>
+          </a:xfrm>
+          <a:prstGeom prst="rect">
+            <a:avLst/>
+          </a:prstGeom>
+        </p:spPr>
+        <p:txBody>
+          <a:bodyPr vert="horz" lIns="91440" tIns="45720" rIns="91440" bIns="45720" rtlCol="0" anchor="b">
+            <a:normAutofit/>
+          </a:bodyPr>
+          <a:lstStyle>
+            <a:lvl1pPr algn="l" defTabSz="914400" rtl="0" eaLnBrk="1" latinLnBrk="0" hangingPunct="1">
+              <a:lnSpc>
+                <a:spcPct val="90000"/>
+              </a:lnSpc>
+              <a:spcBef>
+                <a:spcPct val="0"/>
+              </a:spcBef>
+              <a:buNone/>
+              <a:defRPr sz="4400" kern="1200" spc="-50" baseline="0">
+                <a:solidFill>
+                  <a:schemeClr val="tx1"/>
+                </a:solidFill>
+                <a:latin typeface="+mj-lt"/>
+                <a:ea typeface="+mj-ea"/>
+                <a:cs typeface="+mj-cs"/>
+              </a:defRPr>
+            </a:lvl1pPr>
+          </a:lstStyle>
+          <a:p>
+            <a:r>
+              <a:rPr lang="en-US" dirty="0"/>
+              <a:t>International Leadership</a:t>
+            </a:r>
+          </a:p>
+          <a:p>
+            <a:endParaRPr lang="en-US" dirty="0"/>
+          </a:p>
+        </p:txBody>
+      </p:sp>
+      <p:sp>
+        <p:nvSpPr>
+          <p:cNvPr id="4" name="Slide Number Placeholder 3">
+            <a:extLst>
+              <a:ext uri="{FF2B5EF4-FFF2-40B4-BE49-F238E27FC236}">
+                <a16:creationId xmlns:a16="http://schemas.microsoft.com/office/drawing/2014/main" id="{447CAC18-820E-4EDB-9EFC-4A937D387FC9}"/>
+              </a:ext>
+            </a:extLst>
+          </p:cNvPr>
+          <p:cNvSpPr>
+            <a:spLocks noGrp="1"/>
+          </p:cNvSpPr>
+          <p:nvPr>
+            <p:ph type="sldNum" sz="quarter" idx="12"/>
+          </p:nvPr>
+        </p:nvSpPr>
+        <p:spPr/>
+        <p:txBody>
+          <a:bodyPr>
+            <a:normAutofit lnSpcReduction="10000"/>
+          </a:bodyPr>
+          <a:lstStyle/>
+          <a:p>
+            <a:fld id="{4FAB73BC-B049-4115-A692-8D63A059BFB8}" type="slidenum">
+              <a:rPr lang="en-US" smtClean="0"/>
+              <a:t>10</a:t>
+            </a:fld>
+            <a:endParaRPr lang="en-US" dirty="0"/>
+          </a:p>
+        </p:txBody>
+      </p:sp>
       <p:pic>
         <p:nvPicPr>
-          <p:cNvPr id="4" name="Online Media 3" title="Simon Sinek - Start With Why - TED Talk Short Edited">
-            <a:hlinkClick r:id="" action="ppaction://media"/>
+          <p:cNvPr id="5" name="Graphic 4" descr="Earth Globe Americas">
             <a:extLst>
               <a:ext uri="{FF2B5EF4-FFF2-40B4-BE49-F238E27FC236}">
-                <a16:creationId xmlns:a16="http://schemas.microsoft.com/office/drawing/2014/main" id="{78908810-6111-4A43-8839-5654C4F5D169}"/>
+                <a16:creationId xmlns:a16="http://schemas.microsoft.com/office/drawing/2014/main" id="{D976FF59-CA4B-4622-8ECB-C1FC0CAB36C9}"/>
               </a:ext>
             </a:extLst>
           </p:cNvPr>
           <p:cNvPicPr>
-            <a:picLocks noGrp="1" noRot="1" noChangeAspect="1"/>
+            <a:picLocks noChangeAspect="1"/>
           </p:cNvPicPr>
-          <p:nvPr>
-            <p:ph idx="1"/>
-            <a:videoFile r:link="rId1"/>
-          </p:nvPr>
+          <p:nvPr/>
         </p:nvPicPr>
         <p:blipFill>
-          <a:blip r:embed="rId3"/>
+          <a:blip r:embed="rId2">
+            <a:extLst>
+              <a:ext uri="{96DAC541-7B7A-43D3-8B79-37D633B846F1}">
+                <asvg:svgBlip xmlns:asvg="http://schemas.microsoft.com/office/drawing/2016/SVG/main" r:embed="rId3"/>
+              </a:ext>
+            </a:extLst>
+          </a:blip>
           <a:stretch>
             <a:fillRect/>
           </a:stretch>
         </p:blipFill>
         <p:spPr>
           <a:xfrm>
-            <a:off x="1816146" y="1369290"/>
-            <a:ext cx="8584092" cy="4828552"/>
+            <a:off x="1345580" y="2138556"/>
+            <a:ext cx="2580888" cy="2580888"/>
           </a:xfrm>
           <a:prstGeom prst="rect">
             <a:avLst/>
           </a:prstGeom>
         </p:spPr>
       </p:pic>
+    </p:spTree>
+    <p:extLst>
+      <p:ext uri="{BB962C8B-B14F-4D97-AF65-F5344CB8AC3E}">
+        <p14:creationId xmlns:p14="http://schemas.microsoft.com/office/powerpoint/2010/main" val="470978233"/>
+      </p:ext>
+    </p:extLst>
+  </p:cSld>
+  <p:clrMapOvr>
+    <a:masterClrMapping/>
+  </p:clrMapOvr>
+</p:sld>
+</file>
+
+<file path=ppt/slides/slide11.xml><?xml version="1.0" encoding="utf-8"?>
+<p:sld xmlns:a="http://schemas.openxmlformats.org/drawingml/2006/main" xmlns:r="http://schemas.openxmlformats.org/officeDocument/2006/relationships" xmlns:p="http://schemas.openxmlformats.org/presentationml/2006/main">
+  <p:cSld>
+    <p:spTree>
+      <p:nvGrpSpPr>
+        <p:cNvPr id="1" name=""/>
+        <p:cNvGrpSpPr/>
+        <p:nvPr/>
+      </p:nvGrpSpPr>
+      <p:grpSpPr>
+        <a:xfrm>
+          <a:off x="0" y="0"/>
+          <a:ext cx="0" cy="0"/>
+          <a:chOff x="0" y="0"/>
+          <a:chExt cx="0" cy="0"/>
+        </a:xfrm>
+      </p:grpSpPr>
       <p:sp>
         <p:nvSpPr>
           <p:cNvPr id="5" name="Title 1">
@@ -10108,7 +10299,7 @@
           <a:p>
             <a:r>
               <a:rPr lang="en-US" dirty="0">
-                <a:hlinkClick r:id="rId4"/>
+                <a:hlinkClick r:id="rId2"/>
               </a:rPr>
               <a:t>https://www.youtube.com/watch?v=IPYeCltXpxw</a:t>
             </a:r>
@@ -10141,12 +10332,41 @@
           <a:p>
             <a:fld id="{4FAB73BC-B049-4115-A692-8D63A059BFB8}" type="slidenum">
               <a:rPr lang="en-US" smtClean="0"/>
-              <a:t>10</a:t>
+              <a:t>11</a:t>
             </a:fld>
             <a:endParaRPr lang="en-US" dirty="0"/>
           </a:p>
         </p:txBody>
       </p:sp>
+      <p:pic>
+        <p:nvPicPr>
+          <p:cNvPr id="2" name="Picture 1">
+            <a:extLst>
+              <a:ext uri="{FF2B5EF4-FFF2-40B4-BE49-F238E27FC236}">
+                <a16:creationId xmlns:a16="http://schemas.microsoft.com/office/drawing/2014/main" id="{32218902-1C25-4525-A3BE-F309E5BC4F48}"/>
+              </a:ext>
+            </a:extLst>
+          </p:cNvPr>
+          <p:cNvPicPr>
+            <a:picLocks noChangeAspect="1"/>
+          </p:cNvPicPr>
+          <p:nvPr/>
+        </p:nvPicPr>
+        <p:blipFill rotWithShape="1">
+          <a:blip r:embed="rId3"/>
+          <a:srcRect l="12531" t="16423" r="35061" b="15285"/>
+          <a:stretch/>
+        </p:blipFill>
+        <p:spPr>
+          <a:xfrm>
+            <a:off x="2345525" y="1349296"/>
+            <a:ext cx="6389650" cy="4683513"/>
+          </a:xfrm>
+          <a:prstGeom prst="rect">
+            <a:avLst/>
+          </a:prstGeom>
+        </p:spPr>
+      </p:pic>
     </p:spTree>
     <p:extLst>
       <p:ext uri="{BB962C8B-B14F-4D97-AF65-F5344CB8AC3E}">
@@ -10160,7 +10380,7 @@
 </p:sld>
 </file>
 
-<file path=ppt/slides/slide11.xml><?xml version="1.0" encoding="utf-8"?>
+<file path=ppt/slides/slide12.xml><?xml version="1.0" encoding="utf-8"?>
 <p:sld xmlns:a="http://schemas.openxmlformats.org/drawingml/2006/main" xmlns:r="http://schemas.openxmlformats.org/officeDocument/2006/relationships" xmlns:p="http://schemas.openxmlformats.org/presentationml/2006/main">
   <p:cSld>
     <p:spTree>
@@ -10336,7 +10556,7 @@
           <a:p>
             <a:fld id="{4FAB73BC-B049-4115-A692-8D63A059BFB8}" type="slidenum">
               <a:rPr lang="en-US" smtClean="0"/>
-              <a:t>11</a:t>
+              <a:t>12</a:t>
             </a:fld>
             <a:endParaRPr lang="en-US" dirty="0"/>
           </a:p>
@@ -10355,7 +10575,7 @@
 </p:sld>
 </file>
 
-<file path=ppt/slides/slide12.xml><?xml version="1.0" encoding="utf-8"?>
+<file path=ppt/slides/slide13.xml><?xml version="1.0" encoding="utf-8"?>
 <p:sld xmlns:a="http://schemas.openxmlformats.org/drawingml/2006/main" xmlns:r="http://schemas.openxmlformats.org/officeDocument/2006/relationships" xmlns:p="http://schemas.openxmlformats.org/presentationml/2006/main">
   <p:cSld>
     <p:spTree>
@@ -10592,7 +10812,7 @@
           <a:p>
             <a:fld id="{4FAB73BC-B049-4115-A692-8D63A059BFB8}" type="slidenum">
               <a:rPr lang="en-US" smtClean="0"/>
-              <a:t>12</a:t>
+              <a:t>13</a:t>
             </a:fld>
             <a:endParaRPr lang="en-US" dirty="0"/>
           </a:p>
@@ -10611,7 +10831,7 @@
 </p:sld>
 </file>
 
-<file path=ppt/slides/slide13.xml><?xml version="1.0" encoding="utf-8"?>
+<file path=ppt/slides/slide14.xml><?xml version="1.0" encoding="utf-8"?>
 <p:sld xmlns:a="http://schemas.openxmlformats.org/drawingml/2006/main" xmlns:r="http://schemas.openxmlformats.org/officeDocument/2006/relationships" xmlns:p="http://schemas.openxmlformats.org/presentationml/2006/main">
   <p:cSld>
     <p:spTree>
@@ -11078,7 +11298,7 @@
           <a:p>
             <a:fld id="{4FAB73BC-B049-4115-A692-8D63A059BFB8}" type="slidenum">
               <a:rPr lang="en-US" smtClean="0"/>
-              <a:t>13</a:t>
+              <a:t>14</a:t>
             </a:fld>
             <a:endParaRPr lang="en-US" dirty="0"/>
           </a:p>
@@ -11097,7 +11317,7 @@
 </p:sld>
 </file>
 
-<file path=ppt/slides/slide14.xml><?xml version="1.0" encoding="utf-8"?>
+<file path=ppt/slides/slide15.xml><?xml version="1.0" encoding="utf-8"?>
 <p:sld xmlns:a="http://schemas.openxmlformats.org/drawingml/2006/main" xmlns:r="http://schemas.openxmlformats.org/officeDocument/2006/relationships" xmlns:p="http://schemas.openxmlformats.org/presentationml/2006/main">
   <p:cSld>
     <p:spTree>
@@ -11256,7 +11476,7 @@
           <a:p>
             <a:fld id="{4FAB73BC-B049-4115-A692-8D63A059BFB8}" type="slidenum">
               <a:rPr lang="en-US" smtClean="0"/>
-              <a:t>14</a:t>
+              <a:t>15</a:t>
             </a:fld>
             <a:endParaRPr lang="en-US" dirty="0"/>
           </a:p>
@@ -11275,7 +11495,7 @@
 </p:sld>
 </file>
 
-<file path=ppt/slides/slide15.xml><?xml version="1.0" encoding="utf-8"?>
+<file path=ppt/slides/slide16.xml><?xml version="1.0" encoding="utf-8"?>
 <p:sld xmlns:a="http://schemas.openxmlformats.org/drawingml/2006/main" xmlns:r="http://schemas.openxmlformats.org/officeDocument/2006/relationships" xmlns:p="http://schemas.openxmlformats.org/presentationml/2006/main">
   <p:cSld>
     <p:spTree>
@@ -11729,7 +11949,7 @@
           <a:p>
             <a:fld id="{4FAB73BC-B049-4115-A692-8D63A059BFB8}" type="slidenum">
               <a:rPr lang="en-US" smtClean="0"/>
-              <a:t>15</a:t>
+              <a:t>16</a:t>
             </a:fld>
             <a:endParaRPr lang="en-US" dirty="0"/>
           </a:p>
@@ -11748,7 +11968,7 @@
 </p:sld>
 </file>
 
-<file path=ppt/slides/slide16.xml><?xml version="1.0" encoding="utf-8"?>
+<file path=ppt/slides/slide17.xml><?xml version="1.0" encoding="utf-8"?>
 <p:sld xmlns:a="http://schemas.openxmlformats.org/drawingml/2006/main" xmlns:r="http://schemas.openxmlformats.org/officeDocument/2006/relationships" xmlns:p="http://schemas.openxmlformats.org/presentationml/2006/main">
   <p:cSld>
     <p:spTree>
@@ -11892,7 +12112,7 @@
           <a:p>
             <a:fld id="{4FAB73BC-B049-4115-A692-8D63A059BFB8}" type="slidenum">
               <a:rPr lang="en-US" smtClean="0"/>
-              <a:t>16</a:t>
+              <a:t>17</a:t>
             </a:fld>
             <a:endParaRPr lang="en-US" dirty="0"/>
           </a:p>
@@ -11911,7 +12131,7 @@
 </p:sld>
 </file>
 
-<file path=ppt/slides/slide17.xml><?xml version="1.0" encoding="utf-8"?>
+<file path=ppt/slides/slide18.xml><?xml version="1.0" encoding="utf-8"?>
 <p:sld xmlns:a="http://schemas.openxmlformats.org/drawingml/2006/main" xmlns:r="http://schemas.openxmlformats.org/officeDocument/2006/relationships" xmlns:p="http://schemas.openxmlformats.org/presentationml/2006/main">
   <p:cSld>
     <p:spTree>
@@ -12087,7 +12307,7 @@
           <a:p>
             <a:fld id="{4FAB73BC-B049-4115-A692-8D63A059BFB8}" type="slidenum">
               <a:rPr lang="en-US" smtClean="0"/>
-              <a:t>17</a:t>
+              <a:t>18</a:t>
             </a:fld>
             <a:endParaRPr lang="en-US" dirty="0"/>
           </a:p>
@@ -12106,7 +12326,7 @@
 </p:sld>
 </file>
 
-<file path=ppt/slides/slide18.xml><?xml version="1.0" encoding="utf-8"?>
+<file path=ppt/slides/slide19.xml><?xml version="1.0" encoding="utf-8"?>
 <p:sld xmlns:a="http://schemas.openxmlformats.org/drawingml/2006/main" xmlns:r="http://schemas.openxmlformats.org/officeDocument/2006/relationships" xmlns:p="http://schemas.openxmlformats.org/presentationml/2006/main">
   <p:cSld>
     <p:spTree>
@@ -12341,7 +12561,7 @@
           <a:p>
             <a:fld id="{4FAB73BC-B049-4115-A692-8D63A059BFB8}" type="slidenum">
               <a:rPr lang="en-US" smtClean="0"/>
-              <a:t>18</a:t>
+              <a:t>19</a:t>
             </a:fld>
             <a:endParaRPr lang="en-US" dirty="0"/>
           </a:p>
@@ -12351,284 +12571,6 @@
     <p:extLst>
       <p:ext uri="{BB962C8B-B14F-4D97-AF65-F5344CB8AC3E}">
         <p14:creationId xmlns:p14="http://schemas.microsoft.com/office/powerpoint/2010/main" val="1833681563"/>
-      </p:ext>
-    </p:extLst>
-  </p:cSld>
-  <p:clrMapOvr>
-    <a:masterClrMapping/>
-  </p:clrMapOvr>
-</p:sld>
-</file>
-
-<file path=ppt/slides/slide19.xml><?xml version="1.0" encoding="utf-8"?>
-<p:sld xmlns:a="http://schemas.openxmlformats.org/drawingml/2006/main" xmlns:r="http://schemas.openxmlformats.org/officeDocument/2006/relationships" xmlns:p="http://schemas.openxmlformats.org/presentationml/2006/main">
-  <p:cSld>
-    <p:spTree>
-      <p:nvGrpSpPr>
-        <p:cNvPr id="1" name=""/>
-        <p:cNvGrpSpPr/>
-        <p:nvPr/>
-      </p:nvGrpSpPr>
-      <p:grpSpPr>
-        <a:xfrm>
-          <a:off x="0" y="0"/>
-          <a:ext cx="0" cy="0"/>
-          <a:chOff x="0" y="0"/>
-          <a:chExt cx="0" cy="0"/>
-        </a:xfrm>
-      </p:grpSpPr>
-      <p:sp>
-        <p:nvSpPr>
-          <p:cNvPr id="3" name="Content Placeholder 2">
-            <a:extLst>
-              <a:ext uri="{FF2B5EF4-FFF2-40B4-BE49-F238E27FC236}">
-                <a16:creationId xmlns:a16="http://schemas.microsoft.com/office/drawing/2014/main" id="{D3E950C3-4B6C-46C1-BEA4-C188CA314EA2}"/>
-              </a:ext>
-            </a:extLst>
-          </p:cNvPr>
-          <p:cNvSpPr>
-            <a:spLocks noGrp="1"/>
-          </p:cNvSpPr>
-          <p:nvPr>
-            <p:ph idx="1"/>
-          </p:nvPr>
-        </p:nvSpPr>
-        <p:spPr>
-          <a:xfrm>
-            <a:off x="1149341" y="2292291"/>
-            <a:ext cx="4946659" cy="2273417"/>
-          </a:xfrm>
-        </p:spPr>
-        <p:txBody>
-          <a:bodyPr>
-            <a:normAutofit/>
-          </a:bodyPr>
-          <a:lstStyle/>
-          <a:p>
-            <a:pPr marL="0" indent="0">
-              <a:buNone/>
-            </a:pPr>
-            <a:r>
-              <a:rPr lang="en-US" sz="4400" dirty="0"/>
-              <a:t>Write down WHAT you plan to accomplish</a:t>
-            </a:r>
-          </a:p>
-        </p:txBody>
-      </p:sp>
-      <p:sp>
-        <p:nvSpPr>
-          <p:cNvPr id="4" name="Title 1">
-            <a:extLst>
-              <a:ext uri="{FF2B5EF4-FFF2-40B4-BE49-F238E27FC236}">
-                <a16:creationId xmlns:a16="http://schemas.microsoft.com/office/drawing/2014/main" id="{7B3C8623-F303-4478-B02F-7A01A8105F6C}"/>
-              </a:ext>
-            </a:extLst>
-          </p:cNvPr>
-          <p:cNvSpPr txBox="1">
-            <a:spLocks/>
-          </p:cNvSpPr>
-          <p:nvPr/>
-        </p:nvSpPr>
-        <p:spPr>
-          <a:xfrm>
-            <a:off x="385895" y="440422"/>
-            <a:ext cx="9692640" cy="1325562"/>
-          </a:xfrm>
-          <a:prstGeom prst="rect">
-            <a:avLst/>
-          </a:prstGeom>
-        </p:spPr>
-        <p:txBody>
-          <a:bodyPr vert="horz" lIns="91440" tIns="45720" rIns="91440" bIns="45720" rtlCol="0" anchor="b">
-            <a:normAutofit/>
-          </a:bodyPr>
-          <a:lstStyle>
-            <a:lvl1pPr algn="l" defTabSz="914400" rtl="0" eaLnBrk="1" latinLnBrk="0" hangingPunct="1">
-              <a:lnSpc>
-                <a:spcPct val="90000"/>
-              </a:lnSpc>
-              <a:spcBef>
-                <a:spcPct val="0"/>
-              </a:spcBef>
-              <a:buNone/>
-              <a:defRPr sz="4400" kern="1200" spc="-50" baseline="0">
-                <a:solidFill>
-                  <a:schemeClr val="tx1"/>
-                </a:solidFill>
-                <a:latin typeface="+mj-lt"/>
-                <a:ea typeface="+mj-ea"/>
-                <a:cs typeface="+mj-cs"/>
-              </a:defRPr>
-            </a:lvl1pPr>
-          </a:lstStyle>
-          <a:p>
-            <a:r>
-              <a:rPr lang="en-US" dirty="0"/>
-              <a:t>WHAT</a:t>
-            </a:r>
-          </a:p>
-          <a:p>
-            <a:endParaRPr lang="en-US" dirty="0"/>
-          </a:p>
-        </p:txBody>
-      </p:sp>
-      <p:pic>
-        <p:nvPicPr>
-          <p:cNvPr id="5122" name="Picture 2" descr="Image result for smart goal setting">
-            <a:extLst>
-              <a:ext uri="{FF2B5EF4-FFF2-40B4-BE49-F238E27FC236}">
-                <a16:creationId xmlns:a16="http://schemas.microsoft.com/office/drawing/2014/main" id="{58BD4F7D-39D0-4D4D-AB17-14E5DEA93CE9}"/>
-              </a:ext>
-            </a:extLst>
-          </p:cNvPr>
-          <p:cNvPicPr>
-            <a:picLocks noChangeAspect="1" noChangeArrowheads="1"/>
-          </p:cNvPicPr>
-          <p:nvPr/>
-        </p:nvPicPr>
-        <p:blipFill rotWithShape="1">
-          <a:blip r:embed="rId3">
-            <a:extLst>
-              <a:ext uri="{28A0092B-C50C-407E-A947-70E740481C1C}">
-                <a14:useLocalDpi xmlns:a14="http://schemas.microsoft.com/office/drawing/2010/main" val="0"/>
-              </a:ext>
-            </a:extLst>
-          </a:blip>
-          <a:srcRect l="14103" t="11545" r="3182"/>
-          <a:stretch/>
-        </p:blipFill>
-        <p:spPr bwMode="auto">
-          <a:xfrm>
-            <a:off x="5709425" y="440422"/>
-            <a:ext cx="5051502" cy="6066263"/>
-          </a:xfrm>
-          <a:prstGeom prst="rect">
-            <a:avLst/>
-          </a:prstGeom>
-          <a:noFill/>
-          <a:extLst>
-            <a:ext uri="{909E8E84-426E-40DD-AFC4-6F175D3DCCD1}">
-              <a14:hiddenFill xmlns:a14="http://schemas.microsoft.com/office/drawing/2010/main">
-                <a:solidFill>
-                  <a:srgbClr val="FFFFFF"/>
-                </a:solidFill>
-              </a14:hiddenFill>
-            </a:ext>
-          </a:extLst>
-        </p:spPr>
-      </p:pic>
-      <p:pic>
-        <p:nvPicPr>
-          <p:cNvPr id="8" name="Graphic 7" descr="Pencil">
-            <a:extLst>
-              <a:ext uri="{FF2B5EF4-FFF2-40B4-BE49-F238E27FC236}">
-                <a16:creationId xmlns:a16="http://schemas.microsoft.com/office/drawing/2014/main" id="{714B2527-8D2E-47E1-9AA2-C99B8EF2A16A}"/>
-              </a:ext>
-            </a:extLst>
-          </p:cNvPr>
-          <p:cNvPicPr>
-            <a:picLocks noChangeAspect="1"/>
-          </p:cNvPicPr>
-          <p:nvPr/>
-        </p:nvPicPr>
-        <p:blipFill>
-          <a:blip r:embed="rId4">
-            <a:extLst>
-              <a:ext uri="{28A0092B-C50C-407E-A947-70E740481C1C}">
-                <a14:useLocalDpi xmlns:a14="http://schemas.microsoft.com/office/drawing/2010/main" val="0"/>
-              </a:ext>
-              <a:ext uri="{96DAC541-7B7A-43D3-8B79-37D633B846F1}">
-                <asvg:svgBlip xmlns:asvg="http://schemas.microsoft.com/office/drawing/2016/SVG/main" r:embed="rId5"/>
-              </a:ext>
-            </a:extLst>
-          </a:blip>
-          <a:stretch>
-            <a:fillRect/>
-          </a:stretch>
-        </p:blipFill>
-        <p:spPr>
-          <a:xfrm>
-            <a:off x="2318337" y="4806873"/>
-            <a:ext cx="1458647" cy="1458647"/>
-          </a:xfrm>
-          <a:prstGeom prst="rect">
-            <a:avLst/>
-          </a:prstGeom>
-        </p:spPr>
-      </p:pic>
-      <p:sp>
-        <p:nvSpPr>
-          <p:cNvPr id="6" name="TextBox 5">
-            <a:extLst>
-              <a:ext uri="{FF2B5EF4-FFF2-40B4-BE49-F238E27FC236}">
-                <a16:creationId xmlns:a16="http://schemas.microsoft.com/office/drawing/2014/main" id="{F0293D01-01CD-4974-B7A0-68D13FB1AAC8}"/>
-              </a:ext>
-            </a:extLst>
-          </p:cNvPr>
-          <p:cNvSpPr txBox="1"/>
-          <p:nvPr/>
-        </p:nvSpPr>
-        <p:spPr>
-          <a:xfrm>
-            <a:off x="8860092" y="6506685"/>
-            <a:ext cx="2436886" cy="369332"/>
-          </a:xfrm>
-          <a:prstGeom prst="rect">
-            <a:avLst/>
-          </a:prstGeom>
-          <a:noFill/>
-        </p:spPr>
-        <p:txBody>
-          <a:bodyPr wrap="none" rtlCol="0">
-            <a:spAutoFit/>
-          </a:bodyPr>
-          <a:lstStyle/>
-          <a:p>
-            <a:r>
-              <a:rPr lang="en-US" dirty="0">
-                <a:hlinkClick r:id="rId6"/>
-              </a:rPr>
-              <a:t>SMART Goal Setting</a:t>
-            </a:r>
-            <a:endParaRPr lang="en-US" dirty="0"/>
-          </a:p>
-        </p:txBody>
-      </p:sp>
-      <p:sp>
-        <p:nvSpPr>
-          <p:cNvPr id="5" name="Slide Number Placeholder 4">
-            <a:extLst>
-              <a:ext uri="{FF2B5EF4-FFF2-40B4-BE49-F238E27FC236}">
-                <a16:creationId xmlns:a16="http://schemas.microsoft.com/office/drawing/2014/main" id="{21298AFB-7D7B-4872-A11A-581D1CE3A18E}"/>
-              </a:ext>
-            </a:extLst>
-          </p:cNvPr>
-          <p:cNvSpPr>
-            <a:spLocks noGrp="1"/>
-          </p:cNvSpPr>
-          <p:nvPr>
-            <p:ph type="sldNum" sz="quarter" idx="12"/>
-          </p:nvPr>
-        </p:nvSpPr>
-        <p:spPr/>
-        <p:txBody>
-          <a:bodyPr>
-            <a:normAutofit lnSpcReduction="10000"/>
-          </a:bodyPr>
-          <a:lstStyle/>
-          <a:p>
-            <a:fld id="{4FAB73BC-B049-4115-A692-8D63A059BFB8}" type="slidenum">
-              <a:rPr lang="en-US" smtClean="0"/>
-              <a:t>19</a:t>
-            </a:fld>
-            <a:endParaRPr lang="en-US" dirty="0"/>
-          </a:p>
-        </p:txBody>
-      </p:sp>
-    </p:spTree>
-    <p:extLst>
-      <p:ext uri="{BB962C8B-B14F-4D97-AF65-F5344CB8AC3E}">
-        <p14:creationId xmlns:p14="http://schemas.microsoft.com/office/powerpoint/2010/main" val="2735104184"/>
       </p:ext>
     </p:extLst>
   </p:cSld>
@@ -13040,6 +12982,284 @@
 <file path=ppt/slides/slide20.xml><?xml version="1.0" encoding="utf-8"?>
 <p:sld xmlns:a="http://schemas.openxmlformats.org/drawingml/2006/main" xmlns:r="http://schemas.openxmlformats.org/officeDocument/2006/relationships" xmlns:p="http://schemas.openxmlformats.org/presentationml/2006/main">
   <p:cSld>
+    <p:spTree>
+      <p:nvGrpSpPr>
+        <p:cNvPr id="1" name=""/>
+        <p:cNvGrpSpPr/>
+        <p:nvPr/>
+      </p:nvGrpSpPr>
+      <p:grpSpPr>
+        <a:xfrm>
+          <a:off x="0" y="0"/>
+          <a:ext cx="0" cy="0"/>
+          <a:chOff x="0" y="0"/>
+          <a:chExt cx="0" cy="0"/>
+        </a:xfrm>
+      </p:grpSpPr>
+      <p:sp>
+        <p:nvSpPr>
+          <p:cNvPr id="3" name="Content Placeholder 2">
+            <a:extLst>
+              <a:ext uri="{FF2B5EF4-FFF2-40B4-BE49-F238E27FC236}">
+                <a16:creationId xmlns:a16="http://schemas.microsoft.com/office/drawing/2014/main" id="{D3E950C3-4B6C-46C1-BEA4-C188CA314EA2}"/>
+              </a:ext>
+            </a:extLst>
+          </p:cNvPr>
+          <p:cNvSpPr>
+            <a:spLocks noGrp="1"/>
+          </p:cNvSpPr>
+          <p:nvPr>
+            <p:ph idx="1"/>
+          </p:nvPr>
+        </p:nvSpPr>
+        <p:spPr>
+          <a:xfrm>
+            <a:off x="1149341" y="2292291"/>
+            <a:ext cx="4946659" cy="2273417"/>
+          </a:xfrm>
+        </p:spPr>
+        <p:txBody>
+          <a:bodyPr>
+            <a:normAutofit/>
+          </a:bodyPr>
+          <a:lstStyle/>
+          <a:p>
+            <a:pPr marL="0" indent="0">
+              <a:buNone/>
+            </a:pPr>
+            <a:r>
+              <a:rPr lang="en-US" sz="4400" dirty="0"/>
+              <a:t>Write down WHAT you plan to accomplish</a:t>
+            </a:r>
+          </a:p>
+        </p:txBody>
+      </p:sp>
+      <p:sp>
+        <p:nvSpPr>
+          <p:cNvPr id="4" name="Title 1">
+            <a:extLst>
+              <a:ext uri="{FF2B5EF4-FFF2-40B4-BE49-F238E27FC236}">
+                <a16:creationId xmlns:a16="http://schemas.microsoft.com/office/drawing/2014/main" id="{7B3C8623-F303-4478-B02F-7A01A8105F6C}"/>
+              </a:ext>
+            </a:extLst>
+          </p:cNvPr>
+          <p:cNvSpPr txBox="1">
+            <a:spLocks/>
+          </p:cNvSpPr>
+          <p:nvPr/>
+        </p:nvSpPr>
+        <p:spPr>
+          <a:xfrm>
+            <a:off x="385895" y="440422"/>
+            <a:ext cx="9692640" cy="1325562"/>
+          </a:xfrm>
+          <a:prstGeom prst="rect">
+            <a:avLst/>
+          </a:prstGeom>
+        </p:spPr>
+        <p:txBody>
+          <a:bodyPr vert="horz" lIns="91440" tIns="45720" rIns="91440" bIns="45720" rtlCol="0" anchor="b">
+            <a:normAutofit/>
+          </a:bodyPr>
+          <a:lstStyle>
+            <a:lvl1pPr algn="l" defTabSz="914400" rtl="0" eaLnBrk="1" latinLnBrk="0" hangingPunct="1">
+              <a:lnSpc>
+                <a:spcPct val="90000"/>
+              </a:lnSpc>
+              <a:spcBef>
+                <a:spcPct val="0"/>
+              </a:spcBef>
+              <a:buNone/>
+              <a:defRPr sz="4400" kern="1200" spc="-50" baseline="0">
+                <a:solidFill>
+                  <a:schemeClr val="tx1"/>
+                </a:solidFill>
+                <a:latin typeface="+mj-lt"/>
+                <a:ea typeface="+mj-ea"/>
+                <a:cs typeface="+mj-cs"/>
+              </a:defRPr>
+            </a:lvl1pPr>
+          </a:lstStyle>
+          <a:p>
+            <a:r>
+              <a:rPr lang="en-US" dirty="0"/>
+              <a:t>WHAT</a:t>
+            </a:r>
+          </a:p>
+          <a:p>
+            <a:endParaRPr lang="en-US" dirty="0"/>
+          </a:p>
+        </p:txBody>
+      </p:sp>
+      <p:pic>
+        <p:nvPicPr>
+          <p:cNvPr id="5122" name="Picture 2" descr="Image result for smart goal setting">
+            <a:extLst>
+              <a:ext uri="{FF2B5EF4-FFF2-40B4-BE49-F238E27FC236}">
+                <a16:creationId xmlns:a16="http://schemas.microsoft.com/office/drawing/2014/main" id="{58BD4F7D-39D0-4D4D-AB17-14E5DEA93CE9}"/>
+              </a:ext>
+            </a:extLst>
+          </p:cNvPr>
+          <p:cNvPicPr>
+            <a:picLocks noChangeAspect="1" noChangeArrowheads="1"/>
+          </p:cNvPicPr>
+          <p:nvPr/>
+        </p:nvPicPr>
+        <p:blipFill rotWithShape="1">
+          <a:blip r:embed="rId3">
+            <a:extLst>
+              <a:ext uri="{28A0092B-C50C-407E-A947-70E740481C1C}">
+                <a14:useLocalDpi xmlns:a14="http://schemas.microsoft.com/office/drawing/2010/main" val="0"/>
+              </a:ext>
+            </a:extLst>
+          </a:blip>
+          <a:srcRect l="14103" t="11545" r="3182"/>
+          <a:stretch/>
+        </p:blipFill>
+        <p:spPr bwMode="auto">
+          <a:xfrm>
+            <a:off x="5709425" y="440422"/>
+            <a:ext cx="5051502" cy="6066263"/>
+          </a:xfrm>
+          <a:prstGeom prst="rect">
+            <a:avLst/>
+          </a:prstGeom>
+          <a:noFill/>
+          <a:extLst>
+            <a:ext uri="{909E8E84-426E-40DD-AFC4-6F175D3DCCD1}">
+              <a14:hiddenFill xmlns:a14="http://schemas.microsoft.com/office/drawing/2010/main">
+                <a:solidFill>
+                  <a:srgbClr val="FFFFFF"/>
+                </a:solidFill>
+              </a14:hiddenFill>
+            </a:ext>
+          </a:extLst>
+        </p:spPr>
+      </p:pic>
+      <p:pic>
+        <p:nvPicPr>
+          <p:cNvPr id="8" name="Graphic 7" descr="Pencil">
+            <a:extLst>
+              <a:ext uri="{FF2B5EF4-FFF2-40B4-BE49-F238E27FC236}">
+                <a16:creationId xmlns:a16="http://schemas.microsoft.com/office/drawing/2014/main" id="{714B2527-8D2E-47E1-9AA2-C99B8EF2A16A}"/>
+              </a:ext>
+            </a:extLst>
+          </p:cNvPr>
+          <p:cNvPicPr>
+            <a:picLocks noChangeAspect="1"/>
+          </p:cNvPicPr>
+          <p:nvPr/>
+        </p:nvPicPr>
+        <p:blipFill>
+          <a:blip r:embed="rId4">
+            <a:extLst>
+              <a:ext uri="{28A0092B-C50C-407E-A947-70E740481C1C}">
+                <a14:useLocalDpi xmlns:a14="http://schemas.microsoft.com/office/drawing/2010/main" val="0"/>
+              </a:ext>
+              <a:ext uri="{96DAC541-7B7A-43D3-8B79-37D633B846F1}">
+                <asvg:svgBlip xmlns:asvg="http://schemas.microsoft.com/office/drawing/2016/SVG/main" r:embed="rId5"/>
+              </a:ext>
+            </a:extLst>
+          </a:blip>
+          <a:stretch>
+            <a:fillRect/>
+          </a:stretch>
+        </p:blipFill>
+        <p:spPr>
+          <a:xfrm>
+            <a:off x="2318337" y="4806873"/>
+            <a:ext cx="1458647" cy="1458647"/>
+          </a:xfrm>
+          <a:prstGeom prst="rect">
+            <a:avLst/>
+          </a:prstGeom>
+        </p:spPr>
+      </p:pic>
+      <p:sp>
+        <p:nvSpPr>
+          <p:cNvPr id="6" name="TextBox 5">
+            <a:extLst>
+              <a:ext uri="{FF2B5EF4-FFF2-40B4-BE49-F238E27FC236}">
+                <a16:creationId xmlns:a16="http://schemas.microsoft.com/office/drawing/2014/main" id="{F0293D01-01CD-4974-B7A0-68D13FB1AAC8}"/>
+              </a:ext>
+            </a:extLst>
+          </p:cNvPr>
+          <p:cNvSpPr txBox="1"/>
+          <p:nvPr/>
+        </p:nvSpPr>
+        <p:spPr>
+          <a:xfrm>
+            <a:off x="8860092" y="6506685"/>
+            <a:ext cx="2436886" cy="369332"/>
+          </a:xfrm>
+          <a:prstGeom prst="rect">
+            <a:avLst/>
+          </a:prstGeom>
+          <a:noFill/>
+        </p:spPr>
+        <p:txBody>
+          <a:bodyPr wrap="none" rtlCol="0">
+            <a:spAutoFit/>
+          </a:bodyPr>
+          <a:lstStyle/>
+          <a:p>
+            <a:r>
+              <a:rPr lang="en-US" dirty="0">
+                <a:hlinkClick r:id="rId6"/>
+              </a:rPr>
+              <a:t>SMART Goal Setting</a:t>
+            </a:r>
+            <a:endParaRPr lang="en-US" dirty="0"/>
+          </a:p>
+        </p:txBody>
+      </p:sp>
+      <p:sp>
+        <p:nvSpPr>
+          <p:cNvPr id="5" name="Slide Number Placeholder 4">
+            <a:extLst>
+              <a:ext uri="{FF2B5EF4-FFF2-40B4-BE49-F238E27FC236}">
+                <a16:creationId xmlns:a16="http://schemas.microsoft.com/office/drawing/2014/main" id="{21298AFB-7D7B-4872-A11A-581D1CE3A18E}"/>
+              </a:ext>
+            </a:extLst>
+          </p:cNvPr>
+          <p:cNvSpPr>
+            <a:spLocks noGrp="1"/>
+          </p:cNvSpPr>
+          <p:nvPr>
+            <p:ph type="sldNum" sz="quarter" idx="12"/>
+          </p:nvPr>
+        </p:nvSpPr>
+        <p:spPr/>
+        <p:txBody>
+          <a:bodyPr>
+            <a:normAutofit lnSpcReduction="10000"/>
+          </a:bodyPr>
+          <a:lstStyle/>
+          <a:p>
+            <a:fld id="{4FAB73BC-B049-4115-A692-8D63A059BFB8}" type="slidenum">
+              <a:rPr lang="en-US" smtClean="0"/>
+              <a:t>20</a:t>
+            </a:fld>
+            <a:endParaRPr lang="en-US" dirty="0"/>
+          </a:p>
+        </p:txBody>
+      </p:sp>
+    </p:spTree>
+    <p:extLst>
+      <p:ext uri="{BB962C8B-B14F-4D97-AF65-F5344CB8AC3E}">
+        <p14:creationId xmlns:p14="http://schemas.microsoft.com/office/powerpoint/2010/main" val="2735104184"/>
+      </p:ext>
+    </p:extLst>
+  </p:cSld>
+  <p:clrMapOvr>
+    <a:masterClrMapping/>
+  </p:clrMapOvr>
+</p:sld>
+</file>
+
+<file path=ppt/slides/slide21.xml><?xml version="1.0" encoding="utf-8"?>
+<p:sld xmlns:a="http://schemas.openxmlformats.org/drawingml/2006/main" xmlns:r="http://schemas.openxmlformats.org/officeDocument/2006/relationships" xmlns:p="http://schemas.openxmlformats.org/presentationml/2006/main">
+  <p:cSld>
     <p:bg>
       <p:bgPr>
         <a:solidFill>
@@ -13175,7 +13395,7 @@
           <a:p>
             <a:fld id="{4FAB73BC-B049-4115-A692-8D63A059BFB8}" type="slidenum">
               <a:rPr lang="en-US" smtClean="0"/>
-              <a:t>20</a:t>
+              <a:t>21</a:t>
             </a:fld>
             <a:endParaRPr lang="en-US" dirty="0"/>
           </a:p>
@@ -13194,7 +13414,7 @@
 </p:sld>
 </file>
 
-<file path=ppt/slides/slide21.xml><?xml version="1.0" encoding="utf-8"?>
+<file path=ppt/slides/slide22.xml><?xml version="1.0" encoding="utf-8"?>
 <p:sld xmlns:a="http://schemas.openxmlformats.org/drawingml/2006/main" xmlns:r="http://schemas.openxmlformats.org/officeDocument/2006/relationships" xmlns:p="http://schemas.openxmlformats.org/presentationml/2006/main">
   <p:cSld>
     <p:spTree>
@@ -13397,7 +13617,7 @@
           <a:p>
             <a:fld id="{4FAB73BC-B049-4115-A692-8D63A059BFB8}" type="slidenum">
               <a:rPr lang="en-US" smtClean="0"/>
-              <a:t>21</a:t>
+              <a:t>22</a:t>
             </a:fld>
             <a:endParaRPr lang="en-US" dirty="0"/>
           </a:p>
@@ -13416,7 +13636,7 @@
 </p:sld>
 </file>
 
-<file path=ppt/slides/slide22.xml><?xml version="1.0" encoding="utf-8"?>
+<file path=ppt/slides/slide23.xml><?xml version="1.0" encoding="utf-8"?>
 <p:sld xmlns:a="http://schemas.openxmlformats.org/drawingml/2006/main" xmlns:r="http://schemas.openxmlformats.org/officeDocument/2006/relationships" xmlns:p="http://schemas.openxmlformats.org/presentationml/2006/main">
   <p:cSld>
     <p:spTree>
@@ -13484,6 +13704,22 @@
               <a:t>SMART Goal Mapping Templates</a:t>
             </a:r>
             <a:endParaRPr lang="en-US" sz="3200" dirty="0"/>
+          </a:p>
+          <a:p>
+            <a:r>
+              <a:rPr lang="en-US" sz="3200" dirty="0"/>
+              <a:t>Download the slides: </a:t>
+            </a:r>
+            <a:r>
+              <a:rPr lang="en-US" sz="3200" dirty="0">
+                <a:hlinkClick r:id="rId5"/>
+              </a:rPr>
+              <a:t>https://git.io/fxpbv</a:t>
+            </a:r>
+            <a:r>
+              <a:rPr lang="en-US" sz="3200" dirty="0"/>
+              <a:t> </a:t>
+            </a:r>
           </a:p>
           <a:p>
             <a:endParaRPr lang="en-US" sz="3200" dirty="0"/>
@@ -13572,7 +13808,7 @@
           <a:p>
             <a:fld id="{4FAB73BC-B049-4115-A692-8D63A059BFB8}" type="slidenum">
               <a:rPr lang="en-US" smtClean="0"/>
-              <a:t>22</a:t>
+              <a:t>23</a:t>
             </a:fld>
             <a:endParaRPr lang="en-US" dirty="0"/>
           </a:p>
@@ -13591,7 +13827,7 @@
 </p:sld>
 </file>
 
-<file path=ppt/slides/slide23.xml><?xml version="1.0" encoding="utf-8"?>
+<file path=ppt/slides/slide24.xml><?xml version="1.0" encoding="utf-8"?>
 <p:sld xmlns:a="http://schemas.openxmlformats.org/drawingml/2006/main" xmlns:r="http://schemas.openxmlformats.org/officeDocument/2006/relationships" xmlns:p="http://schemas.openxmlformats.org/presentationml/2006/main">
   <p:cSld>
     <p:spTree>
@@ -13688,7 +13924,7 @@
           <a:p>
             <a:fld id="{4FAB73BC-B049-4115-A692-8D63A059BFB8}" type="slidenum">
               <a:rPr lang="en-US" smtClean="0"/>
-              <a:t>23</a:t>
+              <a:t>24</a:t>
             </a:fld>
             <a:endParaRPr lang="en-US" dirty="0"/>
           </a:p>
@@ -13707,7 +13943,7 @@
 </p:sld>
 </file>
 
-<file path=ppt/slides/slide24.xml><?xml version="1.0" encoding="utf-8"?>
+<file path=ppt/slides/slide25.xml><?xml version="1.0" encoding="utf-8"?>
 <p:sld xmlns:a="http://schemas.openxmlformats.org/drawingml/2006/main" xmlns:r="http://schemas.openxmlformats.org/officeDocument/2006/relationships" xmlns:p="http://schemas.openxmlformats.org/presentationml/2006/main">
   <p:cSld>
     <p:spTree>
@@ -14293,7 +14529,7 @@
           <a:p>
             <a:fld id="{4FAB73BC-B049-4115-A692-8D63A059BFB8}" type="slidenum">
               <a:rPr lang="en-US" smtClean="0"/>
-              <a:t>24</a:t>
+              <a:t>25</a:t>
             </a:fld>
             <a:endParaRPr lang="en-US" dirty="0"/>
           </a:p>
@@ -14815,8 +15051,13 @@
           <a:p>
             <a:r>
               <a:rPr lang="en-US" sz="3200" dirty="0"/>
-              <a:t>Assistant Professor (Nursing)</a:t>
-            </a:r>
+              <a:t>Assistant Professor (Nursing) </a:t>
+            </a:r>
+            <a:r>
+              <a:rPr lang="en-US" sz="3200"/>
+              <a:t>at NCCU</a:t>
+            </a:r>
+            <a:endParaRPr lang="en-US" sz="3200" dirty="0"/>
           </a:p>
           <a:p>
             <a:r>
